--- a/keynote/结题KeyNote.pptx
+++ b/keynote/结题KeyNote.pptx
@@ -7,9 +7,12 @@
   <p:sldIdLst>
     <p:sldId id="256" r:id="rId2"/>
     <p:sldId id="259" r:id="rId3"/>
-    <p:sldId id="260" r:id="rId4"/>
-    <p:sldId id="261" r:id="rId5"/>
-    <p:sldId id="262" r:id="rId6"/>
+    <p:sldId id="263" r:id="rId4"/>
+    <p:sldId id="264" r:id="rId5"/>
+    <p:sldId id="265" r:id="rId6"/>
+    <p:sldId id="260" r:id="rId7"/>
+    <p:sldId id="261" r:id="rId8"/>
+    <p:sldId id="262" r:id="rId9"/>
   </p:sldIdLst>
   <p:sldSz cx="12192000" cy="6858000"/>
   <p:notesSz cx="6858000" cy="9144000"/>
@@ -1220,7 +1223,7 @@
           <a:p>
             <a:fld id="{E85062DF-69ED-4E00-AE55-75074209F46F}" type="datetimeFigureOut">
               <a:rPr lang="zh-CN" altLang="en-US" smtClean="0"/>
-              <a:t>2020/10/28</a:t>
+              <a:t>2020/11/1</a:t>
             </a:fld>
             <a:endParaRPr lang="zh-CN" altLang="en-US"/>
           </a:p>
@@ -1418,7 +1421,7 @@
           <a:p>
             <a:fld id="{E85062DF-69ED-4E00-AE55-75074209F46F}" type="datetimeFigureOut">
               <a:rPr lang="zh-CN" altLang="en-US" smtClean="0"/>
-              <a:t>2020/10/28</a:t>
+              <a:t>2020/11/1</a:t>
             </a:fld>
             <a:endParaRPr lang="zh-CN" altLang="en-US"/>
           </a:p>
@@ -1626,7 +1629,7 @@
           <a:p>
             <a:fld id="{E85062DF-69ED-4E00-AE55-75074209F46F}" type="datetimeFigureOut">
               <a:rPr lang="zh-CN" altLang="en-US" smtClean="0"/>
-              <a:t>2020/10/28</a:t>
+              <a:t>2020/11/1</a:t>
             </a:fld>
             <a:endParaRPr lang="zh-CN" altLang="en-US"/>
           </a:p>
@@ -1824,7 +1827,7 @@
           <a:p>
             <a:fld id="{E85062DF-69ED-4E00-AE55-75074209F46F}" type="datetimeFigureOut">
               <a:rPr lang="zh-CN" altLang="en-US" smtClean="0"/>
-              <a:t>2020/10/28</a:t>
+              <a:t>2020/11/1</a:t>
             </a:fld>
             <a:endParaRPr lang="zh-CN" altLang="en-US"/>
           </a:p>
@@ -2099,7 +2102,7 @@
           <a:p>
             <a:fld id="{E85062DF-69ED-4E00-AE55-75074209F46F}" type="datetimeFigureOut">
               <a:rPr lang="zh-CN" altLang="en-US" smtClean="0"/>
-              <a:t>2020/10/28</a:t>
+              <a:t>2020/11/1</a:t>
             </a:fld>
             <a:endParaRPr lang="zh-CN" altLang="en-US"/>
           </a:p>
@@ -2364,7 +2367,7 @@
           <a:p>
             <a:fld id="{E85062DF-69ED-4E00-AE55-75074209F46F}" type="datetimeFigureOut">
               <a:rPr lang="zh-CN" altLang="en-US" smtClean="0"/>
-              <a:t>2020/10/28</a:t>
+              <a:t>2020/11/1</a:t>
             </a:fld>
             <a:endParaRPr lang="zh-CN" altLang="en-US"/>
           </a:p>
@@ -2776,7 +2779,7 @@
           <a:p>
             <a:fld id="{E85062DF-69ED-4E00-AE55-75074209F46F}" type="datetimeFigureOut">
               <a:rPr lang="zh-CN" altLang="en-US" smtClean="0"/>
-              <a:t>2020/10/28</a:t>
+              <a:t>2020/11/1</a:t>
             </a:fld>
             <a:endParaRPr lang="zh-CN" altLang="en-US"/>
           </a:p>
@@ -2917,7 +2920,7 @@
           <a:p>
             <a:fld id="{E85062DF-69ED-4E00-AE55-75074209F46F}" type="datetimeFigureOut">
               <a:rPr lang="zh-CN" altLang="en-US" smtClean="0"/>
-              <a:t>2020/10/28</a:t>
+              <a:t>2020/11/1</a:t>
             </a:fld>
             <a:endParaRPr lang="zh-CN" altLang="en-US"/>
           </a:p>
@@ -3030,7 +3033,7 @@
           <a:p>
             <a:fld id="{E85062DF-69ED-4E00-AE55-75074209F46F}" type="datetimeFigureOut">
               <a:rPr lang="zh-CN" altLang="en-US" smtClean="0"/>
-              <a:t>2020/10/28</a:t>
+              <a:t>2020/11/1</a:t>
             </a:fld>
             <a:endParaRPr lang="zh-CN" altLang="en-US"/>
           </a:p>
@@ -3341,7 +3344,7 @@
           <a:p>
             <a:fld id="{E85062DF-69ED-4E00-AE55-75074209F46F}" type="datetimeFigureOut">
               <a:rPr lang="zh-CN" altLang="en-US" smtClean="0"/>
-              <a:t>2020/10/28</a:t>
+              <a:t>2020/11/1</a:t>
             </a:fld>
             <a:endParaRPr lang="zh-CN" altLang="en-US"/>
           </a:p>
@@ -3629,7 +3632,7 @@
           <a:p>
             <a:fld id="{E85062DF-69ED-4E00-AE55-75074209F46F}" type="datetimeFigureOut">
               <a:rPr lang="zh-CN" altLang="en-US" smtClean="0"/>
-              <a:t>2020/10/28</a:t>
+              <a:t>2020/11/1</a:t>
             </a:fld>
             <a:endParaRPr lang="zh-CN" altLang="en-US"/>
           </a:p>
@@ -3870,7 +3873,7 @@
           <a:p>
             <a:fld id="{E85062DF-69ED-4E00-AE55-75074209F46F}" type="datetimeFigureOut">
               <a:rPr lang="zh-CN" altLang="en-US" smtClean="0"/>
-              <a:t>2020/10/28</a:t>
+              <a:t>2020/11/1</a:t>
             </a:fld>
             <a:endParaRPr lang="zh-CN" altLang="en-US"/>
           </a:p>
@@ -14365,6 +14368,1539 @@
       </p:grpSpPr>
       <p:sp useBgFill="1">
         <p:nvSpPr>
+          <p:cNvPr id="30" name="Rectangle 29">
+            <a:extLst>
+              <a:ext uri="{FF2B5EF4-FFF2-40B4-BE49-F238E27FC236}">
+                <a16:creationId xmlns:a16="http://schemas.microsoft.com/office/drawing/2014/main" id="{614141FC-8189-47F8-821A-FC9A4E91E039}"/>
+              </a:ext>
+              <a:ext uri="{C183D7F6-B498-43B3-948B-1728B52AA6E4}">
+                <adec:decorative xmlns:adec="http://schemas.microsoft.com/office/drawing/2017/decorative" val="1"/>
+              </a:ext>
+            </a:extLst>
+          </p:cNvPr>
+          <p:cNvSpPr>
+            <a:spLocks noGrp="1" noRot="1" noChangeAspect="1" noMove="1" noResize="1" noEditPoints="1" noAdjustHandles="1" noChangeArrowheads="1" noChangeShapeType="1" noTextEdit="1"/>
+          </p:cNvSpPr>
+          <p:nvPr>
+            <p:extLst>
+              <p:ext uri="{386F3935-93C4-4BCD-93E2-E3B085C9AB24}">
+                <p16:designElem xmlns:p16="http://schemas.microsoft.com/office/powerpoint/2015/main" val="1"/>
+              </p:ext>
+            </p:extLst>
+          </p:nvPr>
+        </p:nvSpPr>
+        <p:spPr>
+          <a:xfrm>
+            <a:off x="0" y="0"/>
+            <a:ext cx="12192000" cy="6858000"/>
+          </a:xfrm>
+          <a:prstGeom prst="rect">
+            <a:avLst/>
+          </a:prstGeom>
+          <a:ln>
+            <a:noFill/>
+          </a:ln>
+        </p:spPr>
+        <p:style>
+          <a:lnRef idx="2">
+            <a:schemeClr val="accent1">
+              <a:shade val="50000"/>
+            </a:schemeClr>
+          </a:lnRef>
+          <a:fillRef idx="1">
+            <a:schemeClr val="accent1"/>
+          </a:fillRef>
+          <a:effectRef idx="0">
+            <a:schemeClr val="accent1"/>
+          </a:effectRef>
+          <a:fontRef idx="minor">
+            <a:schemeClr val="lt1"/>
+          </a:fontRef>
+        </p:style>
+        <p:txBody>
+          <a:bodyPr rtlCol="0" anchor="ctr"/>
+          <a:lstStyle/>
+          <a:p>
+            <a:pPr algn="ctr"/>
+            <a:endParaRPr lang="en-US"/>
+          </a:p>
+        </p:txBody>
+      </p:sp>
+      <p:sp useBgFill="1">
+        <p:nvSpPr>
+          <p:cNvPr id="32" name="Rectangle 31">
+            <a:extLst>
+              <a:ext uri="{FF2B5EF4-FFF2-40B4-BE49-F238E27FC236}">
+                <a16:creationId xmlns:a16="http://schemas.microsoft.com/office/drawing/2014/main" id="{C062E60F-5CD4-4268-8359-8076634680E5}"/>
+              </a:ext>
+              <a:ext uri="{C183D7F6-B498-43B3-948B-1728B52AA6E4}">
+                <adec:decorative xmlns:adec="http://schemas.microsoft.com/office/drawing/2017/decorative" val="1"/>
+              </a:ext>
+            </a:extLst>
+          </p:cNvPr>
+          <p:cNvSpPr>
+            <a:spLocks noGrp="1" noRot="1" noChangeAspect="1" noMove="1" noResize="1" noEditPoints="1" noAdjustHandles="1" noChangeArrowheads="1" noChangeShapeType="1" noTextEdit="1"/>
+          </p:cNvSpPr>
+          <p:nvPr>
+            <p:extLst>
+              <p:ext uri="{386F3935-93C4-4BCD-93E2-E3B085C9AB24}">
+                <p16:designElem xmlns:p16="http://schemas.microsoft.com/office/powerpoint/2015/main" val="1"/>
+              </p:ext>
+            </p:extLst>
+          </p:nvPr>
+        </p:nvSpPr>
+        <p:spPr>
+          <a:xfrm>
+            <a:off x="554416" y="288350"/>
+            <a:ext cx="11167447" cy="2089317"/>
+          </a:xfrm>
+          <a:prstGeom prst="rect">
+            <a:avLst/>
+          </a:prstGeom>
+          <a:ln w="12700">
+            <a:solidFill>
+              <a:srgbClr val="DEDEDE"/>
+            </a:solidFill>
+          </a:ln>
+          <a:effectLst>
+            <a:outerShdw blurRad="50800" dist="38100" dir="2700000" algn="tl" rotWithShape="0">
+              <a:schemeClr val="bg2">
+                <a:lumMod val="85000"/>
+                <a:alpha val="50000"/>
+              </a:schemeClr>
+            </a:outerShdw>
+          </a:effectLst>
+        </p:spPr>
+        <p:style>
+          <a:lnRef idx="2">
+            <a:schemeClr val="accent1">
+              <a:shade val="50000"/>
+            </a:schemeClr>
+          </a:lnRef>
+          <a:fillRef idx="1">
+            <a:schemeClr val="accent1"/>
+          </a:fillRef>
+          <a:effectRef idx="0">
+            <a:schemeClr val="accent1"/>
+          </a:effectRef>
+          <a:fontRef idx="minor">
+            <a:schemeClr val="lt1"/>
+          </a:fontRef>
+        </p:style>
+        <p:txBody>
+          <a:bodyPr rtlCol="0" anchor="ctr"/>
+          <a:lstStyle/>
+          <a:p>
+            <a:pPr marL="0" marR="0" lvl="0" indent="0" algn="ctr" defTabSz="914400" rtl="0" eaLnBrk="1" fontAlgn="auto" latinLnBrk="0" hangingPunct="1">
+              <a:lnSpc>
+                <a:spcPct val="100000"/>
+              </a:lnSpc>
+              <a:spcBef>
+                <a:spcPts val="0"/>
+              </a:spcBef>
+              <a:spcAft>
+                <a:spcPts val="0"/>
+              </a:spcAft>
+              <a:buClrTx/>
+              <a:buSzTx/>
+              <a:buFontTx/>
+              <a:buNone/>
+              <a:tabLst/>
+              <a:defRPr/>
+            </a:pPr>
+            <a:endParaRPr kumimoji="0" lang="en-US" sz="1800" b="0" i="0" u="none" strike="noStrike" kern="1200" cap="none" spc="0" normalizeH="0" baseline="0" noProof="0">
+              <a:ln>
+                <a:noFill/>
+              </a:ln>
+              <a:solidFill>
+                <a:prstClr val="white"/>
+              </a:solidFill>
+              <a:effectLst/>
+              <a:uLnTx/>
+              <a:uFillTx/>
+              <a:latin typeface="Calibri" panose="020F0502020204030204"/>
+              <a:ea typeface="+mn-ea"/>
+              <a:cs typeface="+mn-cs"/>
+            </a:endParaRPr>
+          </a:p>
+        </p:txBody>
+      </p:sp>
+      <p:sp>
+        <p:nvSpPr>
+          <p:cNvPr id="2" name="标题 1">
+            <a:extLst>
+              <a:ext uri="{FF2B5EF4-FFF2-40B4-BE49-F238E27FC236}">
+                <a16:creationId xmlns:a16="http://schemas.microsoft.com/office/drawing/2014/main" id="{EAFBBDE9-F68E-462C-A692-8EBC6F7B4C5A}"/>
+              </a:ext>
+            </a:extLst>
+          </p:cNvPr>
+          <p:cNvSpPr>
+            <a:spLocks noGrp="1"/>
+          </p:cNvSpPr>
+          <p:nvPr>
+            <p:ph type="title"/>
+          </p:nvPr>
+        </p:nvSpPr>
+        <p:spPr>
+          <a:xfrm>
+            <a:off x="841248" y="510047"/>
+            <a:ext cx="3300984" cy="1645920"/>
+          </a:xfrm>
+        </p:spPr>
+        <p:txBody>
+          <a:bodyPr>
+            <a:normAutofit/>
+          </a:bodyPr>
+          <a:lstStyle/>
+          <a:p>
+            <a:r>
+              <a:rPr lang="zh-CN" altLang="en-US" sz="2800"/>
+              <a:t>登录</a:t>
+            </a:r>
+            <a:r>
+              <a:rPr lang="en-US" altLang="zh-CN" sz="2800"/>
+              <a:t>&amp;</a:t>
+            </a:r>
+            <a:r>
+              <a:rPr lang="zh-CN" altLang="en-US" sz="2800"/>
+              <a:t>修改密码</a:t>
+            </a:r>
+          </a:p>
+        </p:txBody>
+      </p:sp>
+      <p:sp>
+        <p:nvSpPr>
+          <p:cNvPr id="34" name="Rectangle 33">
+            <a:extLst>
+              <a:ext uri="{FF2B5EF4-FFF2-40B4-BE49-F238E27FC236}">
+                <a16:creationId xmlns:a16="http://schemas.microsoft.com/office/drawing/2014/main" id="{BB341EC3-1810-4D33-BA3F-E2D0AA0ECFB6}"/>
+              </a:ext>
+              <a:ext uri="{C183D7F6-B498-43B3-948B-1728B52AA6E4}">
+                <adec:decorative xmlns:adec="http://schemas.microsoft.com/office/drawing/2017/decorative" val="1"/>
+              </a:ext>
+            </a:extLst>
+          </p:cNvPr>
+          <p:cNvSpPr>
+            <a:spLocks noGrp="1" noRot="1" noChangeAspect="1" noMove="1" noResize="1" noEditPoints="1" noAdjustHandles="1" noChangeArrowheads="1" noChangeShapeType="1" noTextEdit="1"/>
+          </p:cNvSpPr>
+          <p:nvPr>
+            <p:extLst>
+              <p:ext uri="{386F3935-93C4-4BCD-93E2-E3B085C9AB24}">
+                <p16:designElem xmlns:p16="http://schemas.microsoft.com/office/powerpoint/2015/main" val="1"/>
+              </p:ext>
+            </p:extLst>
+          </p:nvPr>
+        </p:nvSpPr>
+        <p:spPr>
+          <a:xfrm>
+            <a:off x="490408" y="980964"/>
+            <a:ext cx="128016" cy="704088"/>
+          </a:xfrm>
+          <a:prstGeom prst="rect">
+            <a:avLst/>
+          </a:prstGeom>
+          <a:solidFill>
+            <a:schemeClr val="accent2"/>
+          </a:solidFill>
+          <a:ln>
+            <a:noFill/>
+          </a:ln>
+        </p:spPr>
+        <p:style>
+          <a:lnRef idx="2">
+            <a:schemeClr val="accent1">
+              <a:shade val="50000"/>
+            </a:schemeClr>
+          </a:lnRef>
+          <a:fillRef idx="1">
+            <a:schemeClr val="accent1"/>
+          </a:fillRef>
+          <a:effectRef idx="0">
+            <a:schemeClr val="accent1"/>
+          </a:effectRef>
+          <a:fontRef idx="minor">
+            <a:schemeClr val="lt1"/>
+          </a:fontRef>
+        </p:style>
+        <p:txBody>
+          <a:bodyPr rtlCol="0" anchor="ctr"/>
+          <a:lstStyle/>
+          <a:p>
+            <a:pPr marL="0" marR="0" lvl="0" indent="0" algn="ctr" defTabSz="914400" rtl="0" eaLnBrk="1" fontAlgn="auto" latinLnBrk="0" hangingPunct="1">
+              <a:lnSpc>
+                <a:spcPct val="100000"/>
+              </a:lnSpc>
+              <a:spcBef>
+                <a:spcPts val="0"/>
+              </a:spcBef>
+              <a:spcAft>
+                <a:spcPts val="0"/>
+              </a:spcAft>
+              <a:buClrTx/>
+              <a:buSzTx/>
+              <a:buFontTx/>
+              <a:buNone/>
+              <a:tabLst/>
+              <a:defRPr/>
+            </a:pPr>
+            <a:endParaRPr kumimoji="0" lang="en-US" sz="1800" b="0" i="0" u="none" strike="noStrike" kern="1200" cap="none" spc="0" normalizeH="0" baseline="0" noProof="0" dirty="0">
+              <a:ln>
+                <a:noFill/>
+              </a:ln>
+              <a:solidFill>
+                <a:prstClr val="white"/>
+              </a:solidFill>
+              <a:effectLst/>
+              <a:uLnTx/>
+              <a:uFillTx/>
+              <a:latin typeface="Calibri" panose="020F0502020204030204"/>
+              <a:ea typeface="+mn-ea"/>
+              <a:cs typeface="+mn-cs"/>
+            </a:endParaRPr>
+          </a:p>
+        </p:txBody>
+      </p:sp>
+      <p:sp>
+        <p:nvSpPr>
+          <p:cNvPr id="36" name="Rectangle 35">
+            <a:extLst>
+              <a:ext uri="{FF2B5EF4-FFF2-40B4-BE49-F238E27FC236}">
+                <a16:creationId xmlns:a16="http://schemas.microsoft.com/office/drawing/2014/main" id="{10127CDE-2B99-47A8-BB3C-7D17519105E0}"/>
+              </a:ext>
+              <a:ext uri="{C183D7F6-B498-43B3-948B-1728B52AA6E4}">
+                <adec:decorative xmlns:adec="http://schemas.microsoft.com/office/drawing/2017/decorative" val="1"/>
+              </a:ext>
+            </a:extLst>
+          </p:cNvPr>
+          <p:cNvSpPr>
+            <a:spLocks noGrp="1" noRot="1" noChangeAspect="1" noMove="1" noResize="1" noEditPoints="1" noAdjustHandles="1" noChangeArrowheads="1" noChangeShapeType="1" noTextEdit="1"/>
+          </p:cNvSpPr>
+          <p:nvPr>
+            <p:extLst>
+              <p:ext uri="{386F3935-93C4-4BCD-93E2-E3B085C9AB24}">
+                <p16:designElem xmlns:p16="http://schemas.microsoft.com/office/powerpoint/2015/main" val="1"/>
+              </p:ext>
+            </p:extLst>
+          </p:nvPr>
+        </p:nvSpPr>
+        <p:spPr>
+          <a:xfrm rot="5400000">
+            <a:off x="3598164" y="1323863"/>
+            <a:ext cx="1463040" cy="18288"/>
+          </a:xfrm>
+          <a:prstGeom prst="rect">
+            <a:avLst/>
+          </a:prstGeom>
+          <a:solidFill>
+            <a:srgbClr val="D5D5D5"/>
+          </a:solidFill>
+          <a:ln w="3175">
+            <a:noFill/>
+          </a:ln>
+          <a:effectLst/>
+        </p:spPr>
+        <p:style>
+          <a:lnRef idx="2">
+            <a:schemeClr val="accent1">
+              <a:shade val="50000"/>
+            </a:schemeClr>
+          </a:lnRef>
+          <a:fillRef idx="1">
+            <a:schemeClr val="accent1"/>
+          </a:fillRef>
+          <a:effectRef idx="0">
+            <a:schemeClr val="accent1"/>
+          </a:effectRef>
+          <a:fontRef idx="minor">
+            <a:schemeClr val="lt1"/>
+          </a:fontRef>
+        </p:style>
+        <p:txBody>
+          <a:bodyPr rtlCol="0" anchor="ctr"/>
+          <a:lstStyle/>
+          <a:p>
+            <a:pPr marL="0" marR="0" lvl="0" indent="0" algn="ctr" defTabSz="914400" rtl="0" eaLnBrk="1" fontAlgn="auto" latinLnBrk="0" hangingPunct="1">
+              <a:lnSpc>
+                <a:spcPct val="100000"/>
+              </a:lnSpc>
+              <a:spcBef>
+                <a:spcPts val="0"/>
+              </a:spcBef>
+              <a:spcAft>
+                <a:spcPts val="0"/>
+              </a:spcAft>
+              <a:buClrTx/>
+              <a:buSzTx/>
+              <a:buFontTx/>
+              <a:buNone/>
+              <a:tabLst/>
+              <a:defRPr/>
+            </a:pPr>
+            <a:endParaRPr kumimoji="0" lang="en-US" sz="1800" b="0" i="0" u="none" strike="noStrike" kern="1200" cap="none" spc="0" normalizeH="0" baseline="0" noProof="0">
+              <a:ln>
+                <a:noFill/>
+              </a:ln>
+              <a:solidFill>
+                <a:prstClr val="white"/>
+              </a:solidFill>
+              <a:effectLst/>
+              <a:uLnTx/>
+              <a:uFillTx/>
+              <a:latin typeface="Calibri" panose="020F0502020204030204"/>
+              <a:ea typeface="+mn-ea"/>
+              <a:cs typeface="+mn-cs"/>
+            </a:endParaRPr>
+          </a:p>
+        </p:txBody>
+      </p:sp>
+      <p:sp>
+        <p:nvSpPr>
+          <p:cNvPr id="3" name="内容占位符 2">
+            <a:extLst>
+              <a:ext uri="{FF2B5EF4-FFF2-40B4-BE49-F238E27FC236}">
+                <a16:creationId xmlns:a16="http://schemas.microsoft.com/office/drawing/2014/main" id="{E9F71127-5CED-455C-8646-320792483FFA}"/>
+              </a:ext>
+            </a:extLst>
+          </p:cNvPr>
+          <p:cNvSpPr>
+            <a:spLocks noGrp="1"/>
+          </p:cNvSpPr>
+          <p:nvPr>
+            <p:ph idx="1"/>
+          </p:nvPr>
+        </p:nvSpPr>
+        <p:spPr>
+          <a:xfrm>
+            <a:off x="4581144" y="510047"/>
+            <a:ext cx="6858000" cy="1645920"/>
+          </a:xfrm>
+        </p:spPr>
+        <p:txBody>
+          <a:bodyPr anchor="ctr">
+            <a:normAutofit/>
+          </a:bodyPr>
+          <a:lstStyle/>
+          <a:p>
+            <a:r>
+              <a:rPr lang="zh-CN" altLang="en-US" sz="1800"/>
+              <a:t>支持使用指纹、文本密码和图形密码登录</a:t>
+            </a:r>
+            <a:endParaRPr lang="en-US" altLang="zh-CN" sz="1800"/>
+          </a:p>
+          <a:p>
+            <a:r>
+              <a:rPr lang="zh-CN" altLang="en-US" sz="1800"/>
+              <a:t>支持修改文本密码和图形密码</a:t>
+            </a:r>
+            <a:endParaRPr lang="en-US" altLang="zh-CN" sz="1800"/>
+          </a:p>
+          <a:p>
+            <a:r>
+              <a:rPr lang="zh-CN" altLang="en-US" sz="1800"/>
+              <a:t>支持密码错误提醒功能</a:t>
+            </a:r>
+            <a:endParaRPr lang="en-US" altLang="zh-CN" sz="1800"/>
+          </a:p>
+          <a:p>
+            <a:r>
+              <a:rPr lang="zh-CN" altLang="en-US" sz="1800"/>
+              <a:t>支持自定义是否开启登录验证</a:t>
+            </a:r>
+          </a:p>
+        </p:txBody>
+      </p:sp>
+      <p:pic>
+        <p:nvPicPr>
+          <p:cNvPr id="9" name="图片 8" descr="文本, 信件&#10;&#10;描述已自动生成">
+            <a:extLst>
+              <a:ext uri="{FF2B5EF4-FFF2-40B4-BE49-F238E27FC236}">
+                <a16:creationId xmlns:a16="http://schemas.microsoft.com/office/drawing/2014/main" id="{8689AFAC-99D4-4E2B-A779-0B29CE3B53B4}"/>
+              </a:ext>
+            </a:extLst>
+          </p:cNvPr>
+          <p:cNvPicPr>
+            <a:picLocks noChangeAspect="1"/>
+          </p:cNvPicPr>
+          <p:nvPr/>
+        </p:nvPicPr>
+        <p:blipFill rotWithShape="1">
+          <a:blip r:embed="rId2">
+            <a:extLst>
+              <a:ext uri="{28A0092B-C50C-407E-A947-70E740481C1C}">
+                <a14:useLocalDpi xmlns:a14="http://schemas.microsoft.com/office/drawing/2010/main" val="0"/>
+              </a:ext>
+            </a:extLst>
+          </a:blip>
+          <a:srcRect l="10127" r="10339" b="-2"/>
+          <a:stretch/>
+        </p:blipFill>
+        <p:spPr>
+          <a:xfrm>
+            <a:off x="557784" y="2606462"/>
+            <a:ext cx="3584448" cy="3639312"/>
+          </a:xfrm>
+          <a:prstGeom prst="rect">
+            <a:avLst/>
+          </a:prstGeom>
+        </p:spPr>
+      </p:pic>
+      <p:pic>
+        <p:nvPicPr>
+          <p:cNvPr id="5" name="图片 4" descr="图形用户界面, 文本, 应用程序, 电子邮件&#10;&#10;描述已自动生成">
+            <a:extLst>
+              <a:ext uri="{FF2B5EF4-FFF2-40B4-BE49-F238E27FC236}">
+                <a16:creationId xmlns:a16="http://schemas.microsoft.com/office/drawing/2014/main" id="{C1DD2842-CC1C-473B-8495-E84280DF4136}"/>
+              </a:ext>
+            </a:extLst>
+          </p:cNvPr>
+          <p:cNvPicPr>
+            <a:picLocks noChangeAspect="1"/>
+          </p:cNvPicPr>
+          <p:nvPr/>
+        </p:nvPicPr>
+        <p:blipFill rotWithShape="1">
+          <a:blip r:embed="rId3">
+            <a:extLst>
+              <a:ext uri="{28A0092B-C50C-407E-A947-70E740481C1C}">
+                <a14:useLocalDpi xmlns:a14="http://schemas.microsoft.com/office/drawing/2010/main" val="0"/>
+              </a:ext>
+            </a:extLst>
+          </a:blip>
+          <a:srcRect r="25143" b="-4"/>
+          <a:stretch/>
+        </p:blipFill>
+        <p:spPr>
+          <a:xfrm>
+            <a:off x="4347599" y="2606462"/>
+            <a:ext cx="3584448" cy="3639312"/>
+          </a:xfrm>
+          <a:prstGeom prst="rect">
+            <a:avLst/>
+          </a:prstGeom>
+        </p:spPr>
+      </p:pic>
+      <p:pic>
+        <p:nvPicPr>
+          <p:cNvPr id="11" name="图片 10">
+            <a:extLst>
+              <a:ext uri="{FF2B5EF4-FFF2-40B4-BE49-F238E27FC236}">
+                <a16:creationId xmlns:a16="http://schemas.microsoft.com/office/drawing/2014/main" id="{7E8B7CB0-92C2-48AC-A71F-4C7F191FC6BC}"/>
+              </a:ext>
+            </a:extLst>
+          </p:cNvPr>
+          <p:cNvPicPr>
+            <a:picLocks noChangeAspect="1"/>
+          </p:cNvPicPr>
+          <p:nvPr/>
+        </p:nvPicPr>
+        <p:blipFill rotWithShape="1">
+          <a:blip r:embed="rId4"/>
+          <a:srcRect l="8213" r="8106" b="-2"/>
+          <a:stretch/>
+        </p:blipFill>
+        <p:spPr>
+          <a:xfrm>
+            <a:off x="8137415" y="2606462"/>
+            <a:ext cx="3584448" cy="3639312"/>
+          </a:xfrm>
+          <a:prstGeom prst="rect">
+            <a:avLst/>
+          </a:prstGeom>
+        </p:spPr>
+      </p:pic>
+    </p:spTree>
+    <p:extLst>
+      <p:ext uri="{BB962C8B-B14F-4D97-AF65-F5344CB8AC3E}">
+        <p14:creationId xmlns:p14="http://schemas.microsoft.com/office/powerpoint/2010/main" val="1664239316"/>
+      </p:ext>
+    </p:extLst>
+  </p:cSld>
+  <p:clrMapOvr>
+    <a:masterClrMapping/>
+  </p:clrMapOvr>
+</p:sld>
+</file>
+
+<file path=ppt/slides/slide4.xml><?xml version="1.0" encoding="utf-8"?>
+<p:sld xmlns:a="http://schemas.openxmlformats.org/drawingml/2006/main" xmlns:r="http://schemas.openxmlformats.org/officeDocument/2006/relationships" xmlns:p="http://schemas.openxmlformats.org/presentationml/2006/main">
+  <p:cSld>
+    <p:bg>
+      <p:bgPr>
+        <a:solidFill>
+          <a:schemeClr val="bg1"/>
+        </a:solidFill>
+        <a:effectLst/>
+      </p:bgPr>
+    </p:bg>
+    <p:spTree>
+      <p:nvGrpSpPr>
+        <p:cNvPr id="1" name=""/>
+        <p:cNvGrpSpPr/>
+        <p:nvPr/>
+      </p:nvGrpSpPr>
+      <p:grpSpPr>
+        <a:xfrm>
+          <a:off x="0" y="0"/>
+          <a:ext cx="0" cy="0"/>
+          <a:chOff x="0" y="0"/>
+          <a:chExt cx="0" cy="0"/>
+        </a:xfrm>
+      </p:grpSpPr>
+      <p:sp>
+        <p:nvSpPr>
+          <p:cNvPr id="13" name="Rectangle 12">
+            <a:extLst>
+              <a:ext uri="{FF2B5EF4-FFF2-40B4-BE49-F238E27FC236}">
+                <a16:creationId xmlns:a16="http://schemas.microsoft.com/office/drawing/2014/main" id="{73C994B4-9721-4148-9EEC-6793CECDE8DD}"/>
+              </a:ext>
+              <a:ext uri="{C183D7F6-B498-43B3-948B-1728B52AA6E4}">
+                <adec:decorative xmlns:adec="http://schemas.microsoft.com/office/drawing/2017/decorative" val="1"/>
+              </a:ext>
+            </a:extLst>
+          </p:cNvPr>
+          <p:cNvSpPr>
+            <a:spLocks noGrp="1" noRot="1" noChangeAspect="1" noMove="1" noResize="1" noEditPoints="1" noAdjustHandles="1" noChangeArrowheads="1" noChangeShapeType="1" noTextEdit="1"/>
+          </p:cNvSpPr>
+          <p:nvPr>
+            <p:extLst>
+              <p:ext uri="{386F3935-93C4-4BCD-93E2-E3B085C9AB24}">
+                <p16:designElem xmlns:p16="http://schemas.microsoft.com/office/powerpoint/2015/main" val="1"/>
+              </p:ext>
+            </p:extLst>
+          </p:nvPr>
+        </p:nvSpPr>
+        <p:spPr bwMode="white">
+          <a:xfrm>
+            <a:off x="1523" y="-1"/>
+            <a:ext cx="12188952" cy="6858000"/>
+          </a:xfrm>
+          <a:prstGeom prst="rect">
+            <a:avLst/>
+          </a:prstGeom>
+          <a:noFill/>
+          <a:ln>
+            <a:noFill/>
+          </a:ln>
+        </p:spPr>
+        <p:style>
+          <a:lnRef idx="2">
+            <a:schemeClr val="accent1">
+              <a:shade val="50000"/>
+            </a:schemeClr>
+          </a:lnRef>
+          <a:fillRef idx="1">
+            <a:schemeClr val="accent1"/>
+          </a:fillRef>
+          <a:effectRef idx="0">
+            <a:schemeClr val="accent1"/>
+          </a:effectRef>
+          <a:fontRef idx="minor">
+            <a:schemeClr val="lt1"/>
+          </a:fontRef>
+        </p:style>
+        <p:txBody>
+          <a:bodyPr rtlCol="0" anchor="ctr"/>
+          <a:lstStyle>
+            <a:defPPr>
+              <a:defRPr lang="en-US"/>
+            </a:defPPr>
+            <a:lvl1pPr marL="0" algn="l" defTabSz="914400" rtl="0" eaLnBrk="1" latinLnBrk="0" hangingPunct="1">
+              <a:defRPr sz="1800" kern="1200">
+                <a:solidFill>
+                  <a:schemeClr val="lt1"/>
+                </a:solidFill>
+                <a:latin typeface="+mn-lt"/>
+                <a:ea typeface="+mn-ea"/>
+                <a:cs typeface="+mn-cs"/>
+              </a:defRPr>
+            </a:lvl1pPr>
+            <a:lvl2pPr marL="457200" algn="l" defTabSz="914400" rtl="0" eaLnBrk="1" latinLnBrk="0" hangingPunct="1">
+              <a:defRPr sz="1800" kern="1200">
+                <a:solidFill>
+                  <a:schemeClr val="lt1"/>
+                </a:solidFill>
+                <a:latin typeface="+mn-lt"/>
+                <a:ea typeface="+mn-ea"/>
+                <a:cs typeface="+mn-cs"/>
+              </a:defRPr>
+            </a:lvl2pPr>
+            <a:lvl3pPr marL="914400" algn="l" defTabSz="914400" rtl="0" eaLnBrk="1" latinLnBrk="0" hangingPunct="1">
+              <a:defRPr sz="1800" kern="1200">
+                <a:solidFill>
+                  <a:schemeClr val="lt1"/>
+                </a:solidFill>
+                <a:latin typeface="+mn-lt"/>
+                <a:ea typeface="+mn-ea"/>
+                <a:cs typeface="+mn-cs"/>
+              </a:defRPr>
+            </a:lvl3pPr>
+            <a:lvl4pPr marL="1371600" algn="l" defTabSz="914400" rtl="0" eaLnBrk="1" latinLnBrk="0" hangingPunct="1">
+              <a:defRPr sz="1800" kern="1200">
+                <a:solidFill>
+                  <a:schemeClr val="lt1"/>
+                </a:solidFill>
+                <a:latin typeface="+mn-lt"/>
+                <a:ea typeface="+mn-ea"/>
+                <a:cs typeface="+mn-cs"/>
+              </a:defRPr>
+            </a:lvl4pPr>
+            <a:lvl5pPr marL="1828800" algn="l" defTabSz="914400" rtl="0" eaLnBrk="1" latinLnBrk="0" hangingPunct="1">
+              <a:defRPr sz="1800" kern="1200">
+                <a:solidFill>
+                  <a:schemeClr val="lt1"/>
+                </a:solidFill>
+                <a:latin typeface="+mn-lt"/>
+                <a:ea typeface="+mn-ea"/>
+                <a:cs typeface="+mn-cs"/>
+              </a:defRPr>
+            </a:lvl5pPr>
+            <a:lvl6pPr marL="2286000" algn="l" defTabSz="914400" rtl="0" eaLnBrk="1" latinLnBrk="0" hangingPunct="1">
+              <a:defRPr sz="1800" kern="1200">
+                <a:solidFill>
+                  <a:schemeClr val="lt1"/>
+                </a:solidFill>
+                <a:latin typeface="+mn-lt"/>
+                <a:ea typeface="+mn-ea"/>
+                <a:cs typeface="+mn-cs"/>
+              </a:defRPr>
+            </a:lvl6pPr>
+            <a:lvl7pPr marL="2743200" algn="l" defTabSz="914400" rtl="0" eaLnBrk="1" latinLnBrk="0" hangingPunct="1">
+              <a:defRPr sz="1800" kern="1200">
+                <a:solidFill>
+                  <a:schemeClr val="lt1"/>
+                </a:solidFill>
+                <a:latin typeface="+mn-lt"/>
+                <a:ea typeface="+mn-ea"/>
+                <a:cs typeface="+mn-cs"/>
+              </a:defRPr>
+            </a:lvl7pPr>
+            <a:lvl8pPr marL="3200400" algn="l" defTabSz="914400" rtl="0" eaLnBrk="1" latinLnBrk="0" hangingPunct="1">
+              <a:defRPr sz="1800" kern="1200">
+                <a:solidFill>
+                  <a:schemeClr val="lt1"/>
+                </a:solidFill>
+                <a:latin typeface="+mn-lt"/>
+                <a:ea typeface="+mn-ea"/>
+                <a:cs typeface="+mn-cs"/>
+              </a:defRPr>
+            </a:lvl8pPr>
+            <a:lvl9pPr marL="3657600" algn="l" defTabSz="914400" rtl="0" eaLnBrk="1" latinLnBrk="0" hangingPunct="1">
+              <a:defRPr sz="1800" kern="1200">
+                <a:solidFill>
+                  <a:schemeClr val="lt1"/>
+                </a:solidFill>
+                <a:latin typeface="+mn-lt"/>
+                <a:ea typeface="+mn-ea"/>
+                <a:cs typeface="+mn-cs"/>
+              </a:defRPr>
+            </a:lvl9pPr>
+          </a:lstStyle>
+          <a:p>
+            <a:pPr algn="ctr"/>
+            <a:endParaRPr lang="en-US"/>
+          </a:p>
+        </p:txBody>
+      </p:sp>
+      <p:sp>
+        <p:nvSpPr>
+          <p:cNvPr id="15" name="Rectangle 14">
+            <a:extLst>
+              <a:ext uri="{FF2B5EF4-FFF2-40B4-BE49-F238E27FC236}">
+                <a16:creationId xmlns:a16="http://schemas.microsoft.com/office/drawing/2014/main" id="{F9D95E49-763A-4886-B038-82F734740554}"/>
+              </a:ext>
+              <a:ext uri="{C183D7F6-B498-43B3-948B-1728B52AA6E4}">
+                <adec:decorative xmlns:adec="http://schemas.microsoft.com/office/drawing/2017/decorative" val="1"/>
+              </a:ext>
+            </a:extLst>
+          </p:cNvPr>
+          <p:cNvSpPr>
+            <a:spLocks noGrp="1" noRot="1" noChangeAspect="1" noMove="1" noResize="1" noEditPoints="1" noAdjustHandles="1" noChangeArrowheads="1" noChangeShapeType="1" noTextEdit="1"/>
+          </p:cNvSpPr>
+          <p:nvPr>
+            <p:extLst>
+              <p:ext uri="{386F3935-93C4-4BCD-93E2-E3B085C9AB24}">
+                <p16:designElem xmlns:p16="http://schemas.microsoft.com/office/powerpoint/2015/main" val="1"/>
+              </p:ext>
+            </p:extLst>
+          </p:nvPr>
+        </p:nvSpPr>
+        <p:spPr>
+          <a:xfrm>
+            <a:off x="1524" y="0"/>
+            <a:ext cx="12188952" cy="6858000"/>
+          </a:xfrm>
+          <a:prstGeom prst="rect">
+            <a:avLst/>
+          </a:prstGeom>
+          <a:solidFill>
+            <a:schemeClr val="bg2">
+              <a:alpha val="35000"/>
+            </a:schemeClr>
+          </a:solidFill>
+          <a:ln>
+            <a:noFill/>
+          </a:ln>
+        </p:spPr>
+        <p:style>
+          <a:lnRef idx="2">
+            <a:schemeClr val="accent1">
+              <a:shade val="50000"/>
+            </a:schemeClr>
+          </a:lnRef>
+          <a:fillRef idx="1">
+            <a:schemeClr val="accent1"/>
+          </a:fillRef>
+          <a:effectRef idx="0">
+            <a:schemeClr val="accent1"/>
+          </a:effectRef>
+          <a:fontRef idx="minor">
+            <a:schemeClr val="lt1"/>
+          </a:fontRef>
+        </p:style>
+        <p:txBody>
+          <a:bodyPr rtlCol="0" anchor="ctr"/>
+          <a:lstStyle>
+            <a:defPPr>
+              <a:defRPr lang="en-US"/>
+            </a:defPPr>
+            <a:lvl1pPr marL="0" algn="l" defTabSz="914400" rtl="0" eaLnBrk="1" latinLnBrk="0" hangingPunct="1">
+              <a:defRPr sz="1800" kern="1200">
+                <a:solidFill>
+                  <a:schemeClr val="lt1"/>
+                </a:solidFill>
+                <a:latin typeface="+mn-lt"/>
+                <a:ea typeface="+mn-ea"/>
+                <a:cs typeface="+mn-cs"/>
+              </a:defRPr>
+            </a:lvl1pPr>
+            <a:lvl2pPr marL="457200" algn="l" defTabSz="914400" rtl="0" eaLnBrk="1" latinLnBrk="0" hangingPunct="1">
+              <a:defRPr sz="1800" kern="1200">
+                <a:solidFill>
+                  <a:schemeClr val="lt1"/>
+                </a:solidFill>
+                <a:latin typeface="+mn-lt"/>
+                <a:ea typeface="+mn-ea"/>
+                <a:cs typeface="+mn-cs"/>
+              </a:defRPr>
+            </a:lvl2pPr>
+            <a:lvl3pPr marL="914400" algn="l" defTabSz="914400" rtl="0" eaLnBrk="1" latinLnBrk="0" hangingPunct="1">
+              <a:defRPr sz="1800" kern="1200">
+                <a:solidFill>
+                  <a:schemeClr val="lt1"/>
+                </a:solidFill>
+                <a:latin typeface="+mn-lt"/>
+                <a:ea typeface="+mn-ea"/>
+                <a:cs typeface="+mn-cs"/>
+              </a:defRPr>
+            </a:lvl3pPr>
+            <a:lvl4pPr marL="1371600" algn="l" defTabSz="914400" rtl="0" eaLnBrk="1" latinLnBrk="0" hangingPunct="1">
+              <a:defRPr sz="1800" kern="1200">
+                <a:solidFill>
+                  <a:schemeClr val="lt1"/>
+                </a:solidFill>
+                <a:latin typeface="+mn-lt"/>
+                <a:ea typeface="+mn-ea"/>
+                <a:cs typeface="+mn-cs"/>
+              </a:defRPr>
+            </a:lvl4pPr>
+            <a:lvl5pPr marL="1828800" algn="l" defTabSz="914400" rtl="0" eaLnBrk="1" latinLnBrk="0" hangingPunct="1">
+              <a:defRPr sz="1800" kern="1200">
+                <a:solidFill>
+                  <a:schemeClr val="lt1"/>
+                </a:solidFill>
+                <a:latin typeface="+mn-lt"/>
+                <a:ea typeface="+mn-ea"/>
+                <a:cs typeface="+mn-cs"/>
+              </a:defRPr>
+            </a:lvl5pPr>
+            <a:lvl6pPr marL="2286000" algn="l" defTabSz="914400" rtl="0" eaLnBrk="1" latinLnBrk="0" hangingPunct="1">
+              <a:defRPr sz="1800" kern="1200">
+                <a:solidFill>
+                  <a:schemeClr val="lt1"/>
+                </a:solidFill>
+                <a:latin typeface="+mn-lt"/>
+                <a:ea typeface="+mn-ea"/>
+                <a:cs typeface="+mn-cs"/>
+              </a:defRPr>
+            </a:lvl6pPr>
+            <a:lvl7pPr marL="2743200" algn="l" defTabSz="914400" rtl="0" eaLnBrk="1" latinLnBrk="0" hangingPunct="1">
+              <a:defRPr sz="1800" kern="1200">
+                <a:solidFill>
+                  <a:schemeClr val="lt1"/>
+                </a:solidFill>
+                <a:latin typeface="+mn-lt"/>
+                <a:ea typeface="+mn-ea"/>
+                <a:cs typeface="+mn-cs"/>
+              </a:defRPr>
+            </a:lvl7pPr>
+            <a:lvl8pPr marL="3200400" algn="l" defTabSz="914400" rtl="0" eaLnBrk="1" latinLnBrk="0" hangingPunct="1">
+              <a:defRPr sz="1800" kern="1200">
+                <a:solidFill>
+                  <a:schemeClr val="lt1"/>
+                </a:solidFill>
+                <a:latin typeface="+mn-lt"/>
+                <a:ea typeface="+mn-ea"/>
+                <a:cs typeface="+mn-cs"/>
+              </a:defRPr>
+            </a:lvl8pPr>
+            <a:lvl9pPr marL="3657600" algn="l" defTabSz="914400" rtl="0" eaLnBrk="1" latinLnBrk="0" hangingPunct="1">
+              <a:defRPr sz="1800" kern="1200">
+                <a:solidFill>
+                  <a:schemeClr val="lt1"/>
+                </a:solidFill>
+                <a:latin typeface="+mn-lt"/>
+                <a:ea typeface="+mn-ea"/>
+                <a:cs typeface="+mn-cs"/>
+              </a:defRPr>
+            </a:lvl9pPr>
+          </a:lstStyle>
+          <a:p>
+            <a:pPr algn="ctr"/>
+            <a:endParaRPr lang="en-US"/>
+          </a:p>
+        </p:txBody>
+      </p:sp>
+      <p:sp>
+        <p:nvSpPr>
+          <p:cNvPr id="17" name="Rectangle 16">
+            <a:extLst>
+              <a:ext uri="{FF2B5EF4-FFF2-40B4-BE49-F238E27FC236}">
+                <a16:creationId xmlns:a16="http://schemas.microsoft.com/office/drawing/2014/main" id="{DFB3378C-6C77-4D5E-9D8C-5ED27325926B}"/>
+              </a:ext>
+              <a:ext uri="{C183D7F6-B498-43B3-948B-1728B52AA6E4}">
+                <adec:decorative xmlns:adec="http://schemas.microsoft.com/office/drawing/2017/decorative" val="1"/>
+              </a:ext>
+            </a:extLst>
+          </p:cNvPr>
+          <p:cNvSpPr>
+            <a:spLocks noGrp="1" noRot="1" noChangeAspect="1" noMove="1" noResize="1" noEditPoints="1" noAdjustHandles="1" noChangeArrowheads="1" noChangeShapeType="1" noTextEdit="1"/>
+          </p:cNvSpPr>
+          <p:nvPr>
+            <p:extLst>
+              <p:ext uri="{386F3935-93C4-4BCD-93E2-E3B085C9AB24}">
+                <p16:designElem xmlns:p16="http://schemas.microsoft.com/office/powerpoint/2015/main" val="1"/>
+              </p:ext>
+            </p:extLst>
+          </p:nvPr>
+        </p:nvSpPr>
+        <p:spPr>
+          <a:xfrm>
+            <a:off x="1478324" y="699899"/>
+            <a:ext cx="10713676" cy="5433318"/>
+          </a:xfrm>
+          <a:prstGeom prst="rect">
+            <a:avLst/>
+          </a:prstGeom>
+          <a:solidFill>
+            <a:schemeClr val="bg1"/>
+          </a:solidFill>
+          <a:ln>
+            <a:noFill/>
+          </a:ln>
+        </p:spPr>
+        <p:style>
+          <a:lnRef idx="2">
+            <a:schemeClr val="accent1">
+              <a:shade val="50000"/>
+            </a:schemeClr>
+          </a:lnRef>
+          <a:fillRef idx="1">
+            <a:schemeClr val="accent1"/>
+          </a:fillRef>
+          <a:effectRef idx="0">
+            <a:schemeClr val="accent1"/>
+          </a:effectRef>
+          <a:fontRef idx="minor">
+            <a:schemeClr val="lt1"/>
+          </a:fontRef>
+        </p:style>
+        <p:txBody>
+          <a:bodyPr rtlCol="0" anchor="ctr"/>
+          <a:lstStyle/>
+          <a:p>
+            <a:pPr algn="ctr"/>
+            <a:endParaRPr lang="en-US"/>
+          </a:p>
+        </p:txBody>
+      </p:sp>
+      <p:sp>
+        <p:nvSpPr>
+          <p:cNvPr id="19" name="Rectangle 18">
+            <a:extLst>
+              <a:ext uri="{FF2B5EF4-FFF2-40B4-BE49-F238E27FC236}">
+                <a16:creationId xmlns:a16="http://schemas.microsoft.com/office/drawing/2014/main" id="{36F31C88-3DEF-4EA8-AE3A-49441413FC54}"/>
+              </a:ext>
+              <a:ext uri="{C183D7F6-B498-43B3-948B-1728B52AA6E4}">
+                <adec:decorative xmlns:adec="http://schemas.microsoft.com/office/drawing/2017/decorative" val="1"/>
+              </a:ext>
+            </a:extLst>
+          </p:cNvPr>
+          <p:cNvSpPr>
+            <a:spLocks noGrp="1" noRot="1" noChangeAspect="1" noMove="1" noResize="1" noEditPoints="1" noAdjustHandles="1" noChangeArrowheads="1" noChangeShapeType="1" noTextEdit="1"/>
+          </p:cNvSpPr>
+          <p:nvPr>
+            <p:extLst>
+              <p:ext uri="{386F3935-93C4-4BCD-93E2-E3B085C9AB24}">
+                <p16:designElem xmlns:p16="http://schemas.microsoft.com/office/powerpoint/2015/main" val="1"/>
+              </p:ext>
+            </p:extLst>
+          </p:nvPr>
+        </p:nvSpPr>
+        <p:spPr>
+          <a:xfrm rot="10800000">
+            <a:off x="1" y="704088"/>
+            <a:ext cx="422898" cy="5422392"/>
+          </a:xfrm>
+          <a:prstGeom prst="rect">
+            <a:avLst/>
+          </a:prstGeom>
+          <a:solidFill>
+            <a:schemeClr val="accent1">
+              <a:alpha val="25000"/>
+            </a:schemeClr>
+          </a:solidFill>
+          <a:ln w="25400" cap="flat">
+            <a:noFill/>
+            <a:prstDash val="solid"/>
+            <a:round/>
+          </a:ln>
+          <a:effectLst/>
+          <a:sp3d/>
+        </p:spPr>
+        <p:style>
+          <a:lnRef idx="0">
+            <a:scrgbClr r="0" g="0" b="0"/>
+          </a:lnRef>
+          <a:fillRef idx="0">
+            <a:scrgbClr r="0" g="0" b="0"/>
+          </a:fillRef>
+          <a:effectRef idx="0">
+            <a:scrgbClr r="0" g="0" b="0"/>
+          </a:effectRef>
+          <a:fontRef idx="none"/>
+        </p:style>
+        <p:txBody>
+          <a:bodyPr rot="0" spcFirstLastPara="1" vertOverflow="overflow" horzOverflow="overflow" vert="horz" wrap="square" lIns="0" tIns="0" rIns="0" bIns="0" numCol="1" spcCol="38100" rtlCol="0" anchor="ctr">
+            <a:spAutoFit/>
+          </a:bodyPr>
+          <a:lstStyle/>
+          <a:p>
+            <a:pPr marL="0" marR="0" indent="0" algn="ctr" defTabSz="825500" rtl="0" fontAlgn="auto" latinLnBrk="0" hangingPunct="0">
+              <a:lnSpc>
+                <a:spcPct val="100000"/>
+              </a:lnSpc>
+              <a:spcBef>
+                <a:spcPts val="0"/>
+              </a:spcBef>
+              <a:spcAft>
+                <a:spcPts val="0"/>
+              </a:spcAft>
+              <a:buClrTx/>
+              <a:buSzTx/>
+              <a:buFontTx/>
+              <a:buNone/>
+              <a:tabLst/>
+            </a:pPr>
+            <a:endParaRPr kumimoji="0" lang="en-US" sz="3000" b="0" i="0" u="none" strike="noStrike" cap="none" spc="0" normalizeH="0" baseline="0">
+              <a:ln>
+                <a:noFill/>
+              </a:ln>
+              <a:solidFill>
+                <a:srgbClr val="000000"/>
+              </a:solidFill>
+              <a:effectLst/>
+              <a:uFillTx/>
+              <a:latin typeface="Helvetica Neue Medium"/>
+              <a:ea typeface="Helvetica Neue Medium"/>
+              <a:cs typeface="Helvetica Neue Medium"/>
+              <a:sym typeface="Helvetica Neue Medium"/>
+            </a:endParaRPr>
+          </a:p>
+        </p:txBody>
+      </p:sp>
+      <p:cxnSp>
+        <p:nvCxnSpPr>
+          <p:cNvPr id="21" name="Straight Connector 20">
+            <a:extLst>
+              <a:ext uri="{FF2B5EF4-FFF2-40B4-BE49-F238E27FC236}">
+                <a16:creationId xmlns:a16="http://schemas.microsoft.com/office/drawing/2014/main" id="{F085D7B9-E066-4923-8CB7-294BF306296A}"/>
+              </a:ext>
+              <a:ext uri="{C183D7F6-B498-43B3-948B-1728B52AA6E4}">
+                <adec:decorative xmlns:adec="http://schemas.microsoft.com/office/drawing/2017/decorative" val="1"/>
+              </a:ext>
+            </a:extLst>
+          </p:cNvPr>
+          <p:cNvCxnSpPr>
+            <a:cxnSpLocks noGrp="1" noRot="1" noChangeAspect="1" noMove="1" noResize="1" noEditPoints="1" noAdjustHandles="1" noChangeArrowheads="1" noChangeShapeType="1"/>
+          </p:cNvCxnSpPr>
+          <p:nvPr>
+            <p:extLst>
+              <p:ext uri="{386F3935-93C4-4BCD-93E2-E3B085C9AB24}">
+                <p16:designElem xmlns:p16="http://schemas.microsoft.com/office/powerpoint/2015/main" val="1"/>
+              </p:ext>
+            </p:extLst>
+          </p:nvPr>
+        </p:nvCxnSpPr>
+        <p:spPr>
+          <a:xfrm flipV="1">
+            <a:off x="11365990" y="5610"/>
+            <a:ext cx="0" cy="6858000"/>
+          </a:xfrm>
+          <a:prstGeom prst="line">
+            <a:avLst/>
+          </a:prstGeom>
+          <a:ln w="9525" cap="rnd">
+            <a:solidFill>
+              <a:schemeClr val="accent1"/>
+            </a:solidFill>
+            <a:prstDash val="dash"/>
+          </a:ln>
+        </p:spPr>
+        <p:style>
+          <a:lnRef idx="1">
+            <a:schemeClr val="accent1"/>
+          </a:lnRef>
+          <a:fillRef idx="0">
+            <a:schemeClr val="accent1"/>
+          </a:fillRef>
+          <a:effectRef idx="0">
+            <a:schemeClr val="accent1"/>
+          </a:effectRef>
+          <a:fontRef idx="minor">
+            <a:schemeClr val="tx1"/>
+          </a:fontRef>
+        </p:style>
+      </p:cxnSp>
+      <p:cxnSp>
+        <p:nvCxnSpPr>
+          <p:cNvPr id="23" name="Straight Connector 22">
+            <a:extLst>
+              <a:ext uri="{FF2B5EF4-FFF2-40B4-BE49-F238E27FC236}">
+                <a16:creationId xmlns:a16="http://schemas.microsoft.com/office/drawing/2014/main" id="{C093FF4C-75F6-4952-8B68-950D5C40DE55}"/>
+              </a:ext>
+              <a:ext uri="{C183D7F6-B498-43B3-948B-1728B52AA6E4}">
+                <adec:decorative xmlns:adec="http://schemas.microsoft.com/office/drawing/2017/decorative" val="1"/>
+              </a:ext>
+            </a:extLst>
+          </p:cNvPr>
+          <p:cNvCxnSpPr>
+            <a:cxnSpLocks noGrp="1" noRot="1" noChangeAspect="1" noMove="1" noResize="1" noEditPoints="1" noAdjustHandles="1" noChangeArrowheads="1" noChangeShapeType="1"/>
+          </p:cNvCxnSpPr>
+          <p:nvPr>
+            <p:extLst>
+              <p:ext uri="{386F3935-93C4-4BCD-93E2-E3B085C9AB24}">
+                <p16:designElem xmlns:p16="http://schemas.microsoft.com/office/powerpoint/2015/main" val="1"/>
+              </p:ext>
+            </p:extLst>
+          </p:nvPr>
+        </p:nvCxnSpPr>
+        <p:spPr>
+          <a:xfrm>
+            <a:off x="0" y="6118001"/>
+            <a:ext cx="12192000" cy="0"/>
+          </a:xfrm>
+          <a:prstGeom prst="line">
+            <a:avLst/>
+          </a:prstGeom>
+          <a:ln w="9525" cap="rnd">
+            <a:solidFill>
+              <a:schemeClr val="accent1"/>
+            </a:solidFill>
+            <a:prstDash val="dash"/>
+          </a:ln>
+        </p:spPr>
+        <p:style>
+          <a:lnRef idx="1">
+            <a:schemeClr val="accent1"/>
+          </a:lnRef>
+          <a:fillRef idx="0">
+            <a:schemeClr val="accent1"/>
+          </a:fillRef>
+          <a:effectRef idx="0">
+            <a:schemeClr val="accent1"/>
+          </a:effectRef>
+          <a:fontRef idx="minor">
+            <a:schemeClr val="tx1"/>
+          </a:fontRef>
+        </p:style>
+      </p:cxnSp>
+      <p:pic>
+        <p:nvPicPr>
+          <p:cNvPr id="6" name="图片 5" descr="图形用户界面, 应用程序&#10;&#10;描述已自动生成">
+            <a:extLst>
+              <a:ext uri="{FF2B5EF4-FFF2-40B4-BE49-F238E27FC236}">
+                <a16:creationId xmlns:a16="http://schemas.microsoft.com/office/drawing/2014/main" id="{A5621A8F-69A0-40BB-AEF3-ADA88950E4B0}"/>
+              </a:ext>
+            </a:extLst>
+          </p:cNvPr>
+          <p:cNvPicPr>
+            <a:picLocks noChangeAspect="1"/>
+          </p:cNvPicPr>
+          <p:nvPr/>
+        </p:nvPicPr>
+        <p:blipFill>
+          <a:blip r:embed="rId2">
+            <a:extLst>
+              <a:ext uri="{28A0092B-C50C-407E-A947-70E740481C1C}">
+                <a14:useLocalDpi xmlns:a14="http://schemas.microsoft.com/office/drawing/2010/main" val="0"/>
+              </a:ext>
+            </a:extLst>
+          </a:blip>
+          <a:stretch>
+            <a:fillRect/>
+          </a:stretch>
+        </p:blipFill>
+        <p:spPr>
+          <a:xfrm>
+            <a:off x="482600" y="698500"/>
+            <a:ext cx="2387600" cy="5410200"/>
+          </a:xfrm>
+          <a:prstGeom prst="rect">
+            <a:avLst/>
+          </a:prstGeom>
+        </p:spPr>
+      </p:pic>
+      <p:pic>
+        <p:nvPicPr>
+          <p:cNvPr id="8" name="图片 7" descr="表格&#10;&#10;描述已自动生成">
+            <a:extLst>
+              <a:ext uri="{FF2B5EF4-FFF2-40B4-BE49-F238E27FC236}">
+                <a16:creationId xmlns:a16="http://schemas.microsoft.com/office/drawing/2014/main" id="{700E3348-4925-4DC0-9DAD-D6C6943DF182}"/>
+              </a:ext>
+            </a:extLst>
+          </p:cNvPr>
+          <p:cNvPicPr>
+            <a:picLocks noChangeAspect="1"/>
+          </p:cNvPicPr>
+          <p:nvPr/>
+        </p:nvPicPr>
+        <p:blipFill>
+          <a:blip r:embed="rId3">
+            <a:extLst>
+              <a:ext uri="{28A0092B-C50C-407E-A947-70E740481C1C}">
+                <a14:useLocalDpi xmlns:a14="http://schemas.microsoft.com/office/drawing/2010/main" val="0"/>
+              </a:ext>
+            </a:extLst>
+          </a:blip>
+          <a:stretch>
+            <a:fillRect/>
+          </a:stretch>
+        </p:blipFill>
+        <p:spPr>
+          <a:xfrm>
+            <a:off x="2946400" y="698500"/>
+            <a:ext cx="2387600" cy="5410200"/>
+          </a:xfrm>
+          <a:prstGeom prst="rect">
+            <a:avLst/>
+          </a:prstGeom>
+        </p:spPr>
+      </p:pic>
+      <p:sp>
+        <p:nvSpPr>
+          <p:cNvPr id="2" name="标题 1">
+            <a:extLst>
+              <a:ext uri="{FF2B5EF4-FFF2-40B4-BE49-F238E27FC236}">
+                <a16:creationId xmlns:a16="http://schemas.microsoft.com/office/drawing/2014/main" id="{EAFBBDE9-F68E-462C-A692-8EBC6F7B4C5A}"/>
+              </a:ext>
+            </a:extLst>
+          </p:cNvPr>
+          <p:cNvSpPr>
+            <a:spLocks noGrp="1"/>
+          </p:cNvSpPr>
+          <p:nvPr>
+            <p:ph type="title"/>
+          </p:nvPr>
+        </p:nvSpPr>
+        <p:spPr>
+          <a:xfrm>
+            <a:off x="6143812" y="540167"/>
+            <a:ext cx="4816589" cy="2135867"/>
+          </a:xfrm>
+        </p:spPr>
+        <p:txBody>
+          <a:bodyPr anchor="b">
+            <a:normAutofit/>
+          </a:bodyPr>
+          <a:lstStyle/>
+          <a:p>
+            <a:r>
+              <a:rPr lang="zh-CN" altLang="en-US" sz="4800"/>
+              <a:t>收支等记账功能</a:t>
+            </a:r>
+          </a:p>
+        </p:txBody>
+      </p:sp>
+      <p:sp>
+        <p:nvSpPr>
+          <p:cNvPr id="3" name="内容占位符 2">
+            <a:extLst>
+              <a:ext uri="{FF2B5EF4-FFF2-40B4-BE49-F238E27FC236}">
+                <a16:creationId xmlns:a16="http://schemas.microsoft.com/office/drawing/2014/main" id="{E9F71127-5CED-455C-8646-320792483FFA}"/>
+              </a:ext>
+            </a:extLst>
+          </p:cNvPr>
+          <p:cNvSpPr>
+            <a:spLocks noGrp="1"/>
+          </p:cNvSpPr>
+          <p:nvPr>
+            <p:ph idx="1"/>
+          </p:nvPr>
+        </p:nvSpPr>
+        <p:spPr>
+          <a:xfrm>
+            <a:off x="6134100" y="2870200"/>
+            <a:ext cx="4813300" cy="3086100"/>
+          </a:xfrm>
+        </p:spPr>
+        <p:txBody>
+          <a:bodyPr wrap="square" anchor="t">
+            <a:normAutofit/>
+          </a:bodyPr>
+          <a:lstStyle/>
+          <a:p>
+            <a:r>
+              <a:rPr lang="zh-CN" altLang="en-US" sz="2400"/>
+              <a:t>可建立账户，分账户记账</a:t>
+            </a:r>
+            <a:endParaRPr lang="en-US" altLang="zh-CN" sz="2400"/>
+          </a:p>
+          <a:p>
+            <a:r>
+              <a:rPr lang="zh-CN" altLang="en-US" sz="2400"/>
+              <a:t>记账类型分为收入、支出和转账等</a:t>
+            </a:r>
+            <a:endParaRPr lang="en-US" altLang="zh-CN" sz="2400"/>
+          </a:p>
+          <a:p>
+            <a:r>
+              <a:rPr lang="zh-CN" altLang="en-US" sz="2400"/>
+              <a:t>记账类别具备一级和二级选项、可自定义一级和二级类别</a:t>
+            </a:r>
+            <a:endParaRPr lang="en-US" altLang="zh-CN" sz="2400"/>
+          </a:p>
+          <a:p>
+            <a:r>
+              <a:rPr lang="zh-CN" altLang="en-US" sz="2400"/>
+              <a:t>记账自动填上当前时间，可修改</a:t>
+            </a:r>
+            <a:endParaRPr lang="en-US" altLang="zh-CN" sz="2400"/>
+          </a:p>
+          <a:p>
+            <a:r>
+              <a:rPr lang="zh-CN" altLang="en-US" sz="2400"/>
+              <a:t>可选是否记录成员、商家和项目</a:t>
+            </a:r>
+          </a:p>
+        </p:txBody>
+      </p:sp>
+    </p:spTree>
+    <p:extLst>
+      <p:ext uri="{BB962C8B-B14F-4D97-AF65-F5344CB8AC3E}">
+        <p14:creationId xmlns:p14="http://schemas.microsoft.com/office/powerpoint/2010/main" val="3419873754"/>
+      </p:ext>
+    </p:extLst>
+  </p:cSld>
+  <p:clrMapOvr>
+    <a:masterClrMapping/>
+  </p:clrMapOvr>
+</p:sld>
+</file>
+
+<file path=ppt/slides/slide5.xml><?xml version="1.0" encoding="utf-8"?>
+<p:sld xmlns:a="http://schemas.openxmlformats.org/drawingml/2006/main" xmlns:r="http://schemas.openxmlformats.org/officeDocument/2006/relationships" xmlns:p="http://schemas.openxmlformats.org/presentationml/2006/main">
+  <p:cSld>
+    <p:spTree>
+      <p:nvGrpSpPr>
+        <p:cNvPr id="1" name=""/>
+        <p:cNvGrpSpPr/>
+        <p:nvPr/>
+      </p:nvGrpSpPr>
+      <p:grpSpPr>
+        <a:xfrm>
+          <a:off x="0" y="0"/>
+          <a:ext cx="0" cy="0"/>
+          <a:chOff x="0" y="0"/>
+          <a:chExt cx="0" cy="0"/>
+        </a:xfrm>
+      </p:grpSpPr>
+      <p:sp>
+        <p:nvSpPr>
+          <p:cNvPr id="2" name="标题 1">
+            <a:extLst>
+              <a:ext uri="{FF2B5EF4-FFF2-40B4-BE49-F238E27FC236}">
+                <a16:creationId xmlns:a16="http://schemas.microsoft.com/office/drawing/2014/main" id="{EAFBBDE9-F68E-462C-A692-8EBC6F7B4C5A}"/>
+              </a:ext>
+            </a:extLst>
+          </p:cNvPr>
+          <p:cNvSpPr>
+            <a:spLocks noGrp="1"/>
+          </p:cNvSpPr>
+          <p:nvPr>
+            <p:ph type="title"/>
+          </p:nvPr>
+        </p:nvSpPr>
+        <p:spPr>
+          <a:xfrm>
+            <a:off x="841248" y="510047"/>
+            <a:ext cx="3300984" cy="1645920"/>
+          </a:xfrm>
+        </p:spPr>
+        <p:txBody>
+          <a:bodyPr>
+            <a:normAutofit/>
+          </a:bodyPr>
+          <a:lstStyle/>
+          <a:p>
+            <a:r>
+              <a:rPr lang="zh-CN" altLang="en-US" sz="2800" dirty="0"/>
+              <a:t>统计</a:t>
+            </a:r>
+            <a:r>
+              <a:rPr lang="en-US" altLang="zh-CN" sz="2800" dirty="0"/>
+              <a:t>&amp;</a:t>
+            </a:r>
+            <a:r>
+              <a:rPr lang="zh-CN" altLang="en-US" sz="2800" dirty="0"/>
+              <a:t>图表分析功能</a:t>
+            </a:r>
+          </a:p>
+        </p:txBody>
+      </p:sp>
+      <p:sp>
+        <p:nvSpPr>
+          <p:cNvPr id="3" name="内容占位符 2">
+            <a:extLst>
+              <a:ext uri="{FF2B5EF4-FFF2-40B4-BE49-F238E27FC236}">
+                <a16:creationId xmlns:a16="http://schemas.microsoft.com/office/drawing/2014/main" id="{E9F71127-5CED-455C-8646-320792483FFA}"/>
+              </a:ext>
+            </a:extLst>
+          </p:cNvPr>
+          <p:cNvSpPr>
+            <a:spLocks noGrp="1"/>
+          </p:cNvSpPr>
+          <p:nvPr>
+            <p:ph idx="1"/>
+          </p:nvPr>
+        </p:nvSpPr>
+        <p:spPr>
+          <a:xfrm>
+            <a:off x="841248" y="1780679"/>
+            <a:ext cx="5718578" cy="3296641"/>
+          </a:xfrm>
+        </p:spPr>
+        <p:txBody>
+          <a:bodyPr anchor="ctr">
+            <a:normAutofit/>
+          </a:bodyPr>
+          <a:lstStyle/>
+          <a:p>
+            <a:pPr marL="0" indent="0">
+              <a:buNone/>
+            </a:pPr>
+            <a:r>
+              <a:rPr lang="zh-CN" altLang="en-US" dirty="0"/>
+              <a:t>按一级分类展示支出或收入功能、按成员展示支出或收入功能</a:t>
+            </a:r>
+            <a:endParaRPr lang="en-US" altLang="zh-CN" dirty="0"/>
+          </a:p>
+          <a:p>
+            <a:pPr marL="0" indent="0">
+              <a:buNone/>
+            </a:pPr>
+            <a:r>
+              <a:rPr lang="zh-CN" altLang="en-US" dirty="0"/>
+              <a:t>可自定义时间段进行统计展示、流水浏览功能</a:t>
+            </a:r>
+            <a:endParaRPr lang="en-US" altLang="zh-CN" dirty="0"/>
+          </a:p>
+          <a:p>
+            <a:pPr marL="0" indent="0">
+              <a:buNone/>
+            </a:pPr>
+            <a:r>
+              <a:rPr lang="zh-CN" altLang="en-US" dirty="0"/>
+              <a:t>按账户、项目、商家等统计</a:t>
+            </a:r>
+          </a:p>
+        </p:txBody>
+      </p:sp>
+      <p:pic>
+        <p:nvPicPr>
+          <p:cNvPr id="6" name="图片 5" descr="图形用户界面, 应用程序, Teams&#10;&#10;描述已自动生成">
+            <a:extLst>
+              <a:ext uri="{FF2B5EF4-FFF2-40B4-BE49-F238E27FC236}">
+                <a16:creationId xmlns:a16="http://schemas.microsoft.com/office/drawing/2014/main" id="{D3AA7582-C8F0-470E-850E-0095B8AE2EB9}"/>
+              </a:ext>
+            </a:extLst>
+          </p:cNvPr>
+          <p:cNvPicPr>
+            <a:picLocks noChangeAspect="1"/>
+          </p:cNvPicPr>
+          <p:nvPr/>
+        </p:nvPicPr>
+        <p:blipFill>
+          <a:blip r:embed="rId2">
+            <a:extLst>
+              <a:ext uri="{28A0092B-C50C-407E-A947-70E740481C1C}">
+                <a14:useLocalDpi xmlns:a14="http://schemas.microsoft.com/office/drawing/2010/main" val="0"/>
+              </a:ext>
+            </a:extLst>
+          </a:blip>
+          <a:stretch>
+            <a:fillRect/>
+          </a:stretch>
+        </p:blipFill>
+        <p:spPr>
+          <a:xfrm>
+            <a:off x="8231754" y="89452"/>
+            <a:ext cx="3045846" cy="6768548"/>
+          </a:xfrm>
+          <a:prstGeom prst="rect">
+            <a:avLst/>
+          </a:prstGeom>
+        </p:spPr>
+      </p:pic>
+    </p:spTree>
+    <p:extLst>
+      <p:ext uri="{BB962C8B-B14F-4D97-AF65-F5344CB8AC3E}">
+        <p14:creationId xmlns:p14="http://schemas.microsoft.com/office/powerpoint/2010/main" val="307308653"/>
+      </p:ext>
+    </p:extLst>
+  </p:cSld>
+  <p:clrMapOvr>
+    <a:masterClrMapping/>
+  </p:clrMapOvr>
+</p:sld>
+</file>
+
+<file path=ppt/slides/slide6.xml><?xml version="1.0" encoding="utf-8"?>
+<p:sld xmlns:a="http://schemas.openxmlformats.org/drawingml/2006/main" xmlns:r="http://schemas.openxmlformats.org/officeDocument/2006/relationships" xmlns:p="http://schemas.openxmlformats.org/presentationml/2006/main">
+  <p:cSld>
+    <p:bg>
+      <p:bgPr>
+        <a:solidFill>
+          <a:schemeClr val="bg1"/>
+        </a:solidFill>
+        <a:effectLst/>
+      </p:bgPr>
+    </p:bg>
+    <p:spTree>
+      <p:nvGrpSpPr>
+        <p:cNvPr id="1" name=""/>
+        <p:cNvGrpSpPr/>
+        <p:nvPr/>
+      </p:nvGrpSpPr>
+      <p:grpSpPr>
+        <a:xfrm>
+          <a:off x="0" y="0"/>
+          <a:ext cx="0" cy="0"/>
+          <a:chOff x="0" y="0"/>
+          <a:chExt cx="0" cy="0"/>
+        </a:xfrm>
+      </p:grpSpPr>
+      <p:sp useBgFill="1">
+        <p:nvSpPr>
           <p:cNvPr id="37" name="Rectangle 39">
             <a:extLst>
               <a:ext uri="{FF2B5EF4-FFF2-40B4-BE49-F238E27FC236}">
@@ -15290,7 +16826,7 @@
 </p:sld>
 </file>
 
-<file path=ppt/slides/slide4.xml><?xml version="1.0" encoding="utf-8"?>
+<file path=ppt/slides/slide7.xml><?xml version="1.0" encoding="utf-8"?>
 <p:sld xmlns:a="http://schemas.openxmlformats.org/drawingml/2006/main" xmlns:r="http://schemas.openxmlformats.org/officeDocument/2006/relationships" xmlns:p="http://schemas.openxmlformats.org/presentationml/2006/main">
   <p:cSld>
     <p:bg>
@@ -15699,7 +17235,7 @@
 </p:sld>
 </file>
 
-<file path=ppt/slides/slide5.xml><?xml version="1.0" encoding="utf-8"?>
+<file path=ppt/slides/slide8.xml><?xml version="1.0" encoding="utf-8"?>
 <p:sld xmlns:a="http://schemas.openxmlformats.org/drawingml/2006/main" xmlns:r="http://schemas.openxmlformats.org/officeDocument/2006/relationships" xmlns:p="http://schemas.openxmlformats.org/presentationml/2006/main">
   <p:cSld>
     <p:bg>
